--- a/PowerPoints/07 - Error Handling.pptx
+++ b/PowerPoints/07 - Error Handling.pptx
@@ -9111,7 +9111,7 @@
           <a:p>
             <a:r>
               <a:rPr lang="en-US" dirty="0"/>
-              <a:t>Any other parsing method that calls one of these five methods will need a </a:t>
+              <a:t>Any other parsing method that calls one of these three methods will need a </a:t>
             </a:r>
             <a:r>
               <a:rPr lang="en-US" dirty="0">
@@ -9287,7 +9287,7 @@
             <a:pPr lvl="1"/>
             <a:r>
               <a:rPr lang="en-US" dirty="0"/>
-              <a:t>check for a duplicated error message in the error handler</a:t>
+              <a:t>check each error message to see if it duplicates the previous error message</a:t>
             </a:r>
           </a:p>
           <a:p>
